--- a/Hackathon.pptx
+++ b/Hackathon.pptx
@@ -4310,7 +4310,9 @@
         </p:nvSpPr>
         <p:spPr/>
         <p:txBody>
-          <a:bodyPr/>
+          <a:bodyPr>
+            <a:normAutofit fontScale="85000" lnSpcReduction="20000"/>
+          </a:bodyPr>
           <a:lstStyle/>
           <a:p>
             <a:r>
@@ -4322,6 +4324,18 @@
             <a:r>
               <a:rPr lang="en-US" dirty="0" smtClean="0"/>
               <a:t>Dan Coughlin</a:t>
+            </a:r>
+          </a:p>
+          <a:p>
+            <a:r>
+              <a:rPr lang="en-US" dirty="0" smtClean="0"/>
+              <a:t>@dmc186</a:t>
+            </a:r>
+          </a:p>
+          <a:p>
+            <a:r>
+              <a:rPr lang="en-US" smtClean="0"/>
+              <a:t>dmc186@psu.edu</a:t>
             </a:r>
             <a:endParaRPr lang="en-US" dirty="0"/>
           </a:p>
